--- a/CaquiTalks19022020.pptx
+++ b/CaquiTalks19022020.pptx
@@ -5007,8 +5007,8 @@
           <p:nvPr/>
         </p:nvSpPr>
         <p:spPr>
-          <a:xfrm>
-            <a:off x="652285" y="2460601"/>
+          <a:xfrm rot="16200000">
+            <a:off x="-2331364" y="2076354"/>
             <a:ext cx="8059915" cy="1895500"/>
           </a:xfrm>
           <a:prstGeom prst="rect">
@@ -5061,7 +5061,7 @@
         </p:nvSpPr>
         <p:spPr>
           <a:xfrm>
-            <a:off x="652285" y="3578201"/>
+            <a:off x="-1155733" y="5950359"/>
             <a:ext cx="8059915" cy="547920"/>
           </a:xfrm>
           <a:prstGeom prst="rect">
@@ -5123,6 +5123,36 @@
           </a:p>
         </p:txBody>
       </p:sp>
+      <p:pic>
+        <p:nvPicPr>
+          <p:cNvPr id="3" name="Picture 2">
+            <a:extLst>
+              <a:ext uri="{FF2B5EF4-FFF2-40B4-BE49-F238E27FC236}">
+                <a16:creationId xmlns:a16="http://schemas.microsoft.com/office/drawing/2014/main" id="{14EFA234-CBD5-4685-84C2-975984DEFFD9}"/>
+              </a:ext>
+            </a:extLst>
+          </p:cNvPr>
+          <p:cNvPicPr>
+            <a:picLocks noChangeAspect="1"/>
+          </p:cNvPicPr>
+          <p:nvPr/>
+        </p:nvPicPr>
+        <p:blipFill>
+          <a:blip r:embed="rId3"/>
+          <a:stretch>
+            <a:fillRect/>
+          </a:stretch>
+        </p:blipFill>
+        <p:spPr>
+          <a:xfrm>
+            <a:off x="2646345" y="455460"/>
+            <a:ext cx="4391638" cy="5287113"/>
+          </a:xfrm>
+          <a:prstGeom prst="rect">
+            <a:avLst/>
+          </a:prstGeom>
+        </p:spPr>
+      </p:pic>
     </p:spTree>
     <p:extLst>
       <p:ext uri="{BB962C8B-B14F-4D97-AF65-F5344CB8AC3E}">
